--- a/Wireframe/Wireframe for Chris Balarabe Oghumah /Wireframe For Chris Balarabe Oghumah .pptx
+++ b/Wireframe/Wireframe for Chris Balarabe Oghumah /Wireframe For Chris Balarabe Oghumah .pptx
@@ -8141,7 +8141,21 @@
                 <a:effectLst/>
                 <a:latin typeface="Helvetica Neue" panose="02000503000000020004" pitchFamily="2" charset="0"/>
               </a:rPr>
-              <a:t> </a:t>
+              <a:t> (Accessed 17</a:t>
+            </a:r>
+            <a:r>
+              <a:rPr lang="en-IE" baseline="30000" dirty="0">
+                <a:effectLst/>
+                <a:latin typeface="Helvetica Neue" panose="02000503000000020004" pitchFamily="2" charset="0"/>
+              </a:rPr>
+              <a:t>th</a:t>
+            </a:r>
+            <a:r>
+              <a:rPr lang="en-IE" dirty="0">
+                <a:effectLst/>
+                <a:latin typeface="Helvetica Neue" panose="02000503000000020004" pitchFamily="2" charset="0"/>
+              </a:rPr>
+              <a:t> April 2024)</a:t>
             </a:r>
             <a:endParaRPr lang="en-US" dirty="0"/>
           </a:p>
@@ -8176,7 +8190,21 @@
                 <a:effectLst/>
                 <a:latin typeface="Helvetica Neue" panose="02000503000000020004" pitchFamily="2" charset="0"/>
               </a:rPr>
-              <a:t>  </a:t>
+              <a:t> (Accessed 17</a:t>
+            </a:r>
+            <a:r>
+              <a:rPr lang="en-IE" baseline="30000" dirty="0">
+                <a:effectLst/>
+                <a:latin typeface="Helvetica Neue" panose="02000503000000020004" pitchFamily="2" charset="0"/>
+              </a:rPr>
+              <a:t>th</a:t>
+            </a:r>
+            <a:r>
+              <a:rPr lang="en-IE" dirty="0">
+                <a:effectLst/>
+                <a:latin typeface="Helvetica Neue" panose="02000503000000020004" pitchFamily="2" charset="0"/>
+              </a:rPr>
+              <a:t> April 2024)  </a:t>
             </a:r>
             <a:endParaRPr lang="en-US" dirty="0"/>
           </a:p>
@@ -8212,7 +8240,21 @@
                 <a:effectLst/>
                 <a:latin typeface="Helvetica Neue" panose="02000503000000020004" pitchFamily="2" charset="0"/>
               </a:rPr>
-              <a:t> </a:t>
+              <a:t> (Accessed 17</a:t>
+            </a:r>
+            <a:r>
+              <a:rPr lang="en-IE" baseline="30000" dirty="0">
+                <a:effectLst/>
+                <a:latin typeface="Helvetica Neue" panose="02000503000000020004" pitchFamily="2" charset="0"/>
+              </a:rPr>
+              <a:t>th</a:t>
+            </a:r>
+            <a:r>
+              <a:rPr lang="en-IE" dirty="0">
+                <a:effectLst/>
+                <a:latin typeface="Helvetica Neue" panose="02000503000000020004" pitchFamily="2" charset="0"/>
+              </a:rPr>
+              <a:t> April 2024)</a:t>
             </a:r>
             <a:endParaRPr lang="en-US" dirty="0"/>
           </a:p>
@@ -8247,7 +8289,21 @@
                 <a:effectLst/>
                 <a:latin typeface="Helvetica Neue" panose="02000503000000020004" pitchFamily="2" charset="0"/>
               </a:rPr>
-              <a:t> </a:t>
+              <a:t> (Accessed 17</a:t>
+            </a:r>
+            <a:r>
+              <a:rPr lang="en-IE" baseline="30000" dirty="0">
+                <a:effectLst/>
+                <a:latin typeface="Helvetica Neue" panose="02000503000000020004" pitchFamily="2" charset="0"/>
+              </a:rPr>
+              <a:t>th</a:t>
+            </a:r>
+            <a:r>
+              <a:rPr lang="en-IE" dirty="0">
+                <a:effectLst/>
+                <a:latin typeface="Helvetica Neue" panose="02000503000000020004" pitchFamily="2" charset="0"/>
+              </a:rPr>
+              <a:t> April 2024)</a:t>
             </a:r>
             <a:endParaRPr lang="en-US" dirty="0"/>
           </a:p>
@@ -8283,10 +8339,27 @@
               </a:rPr>
               <a:t>https://images.pexels.com/photos/1839904/pexels-photo-1839904.jpeg?auto=compress&amp;cs=tinysrgb&amp;w=600</a:t>
             </a:r>
-            <a:endParaRPr lang="en-IE" dirty="0">
-              <a:effectLst/>
-              <a:latin typeface="Helvetica Neue" panose="02000503000000020004" pitchFamily="2" charset="0"/>
-            </a:endParaRPr>
+            <a:r>
+              <a:rPr lang="en-IE" dirty="0">
+                <a:effectLst/>
+                <a:latin typeface="Helvetica Neue" panose="02000503000000020004" pitchFamily="2" charset="0"/>
+              </a:rPr>
+              <a:t>(Accessed 17</a:t>
+            </a:r>
+            <a:r>
+              <a:rPr lang="en-IE" baseline="30000" dirty="0">
+                <a:effectLst/>
+                <a:latin typeface="Helvetica Neue" panose="02000503000000020004" pitchFamily="2" charset="0"/>
+              </a:rPr>
+              <a:t>th</a:t>
+            </a:r>
+            <a:r>
+              <a:rPr lang="en-IE" dirty="0">
+                <a:effectLst/>
+                <a:latin typeface="Helvetica Neue" panose="02000503000000020004" pitchFamily="2" charset="0"/>
+              </a:rPr>
+              <a:t> April 2024)</a:t>
+            </a:r>
           </a:p>
           <a:p>
             <a:r>
@@ -8325,7 +8398,21 @@
                 <a:effectLst/>
                 <a:latin typeface="Helvetica Neue" panose="02000503000000020004" pitchFamily="2" charset="0"/>
               </a:rPr>
-              <a:t> </a:t>
+              <a:t> (Accessed 17</a:t>
+            </a:r>
+            <a:r>
+              <a:rPr lang="en-IE" baseline="30000" dirty="0">
+                <a:effectLst/>
+                <a:latin typeface="Helvetica Neue" panose="02000503000000020004" pitchFamily="2" charset="0"/>
+              </a:rPr>
+              <a:t>th</a:t>
+            </a:r>
+            <a:r>
+              <a:rPr lang="en-IE" dirty="0">
+                <a:effectLst/>
+                <a:latin typeface="Helvetica Neue" panose="02000503000000020004" pitchFamily="2" charset="0"/>
+              </a:rPr>
+              <a:t> April 2024)</a:t>
             </a:r>
           </a:p>
           <a:p>
@@ -8363,7 +8450,21 @@
                 <a:effectLst/>
                 <a:latin typeface="Helvetica Neue" panose="02000503000000020004" pitchFamily="2" charset="0"/>
               </a:rPr>
-              <a:t> </a:t>
+              <a:t> (Accessed 17</a:t>
+            </a:r>
+            <a:r>
+              <a:rPr lang="en-IE" baseline="30000" dirty="0">
+                <a:effectLst/>
+                <a:latin typeface="Helvetica Neue" panose="02000503000000020004" pitchFamily="2" charset="0"/>
+              </a:rPr>
+              <a:t>th</a:t>
+            </a:r>
+            <a:r>
+              <a:rPr lang="en-IE" dirty="0">
+                <a:effectLst/>
+                <a:latin typeface="Helvetica Neue" panose="02000503000000020004" pitchFamily="2" charset="0"/>
+              </a:rPr>
+              <a:t> April 2024)</a:t>
             </a:r>
           </a:p>
           <a:p>
@@ -8413,7 +8514,21 @@
                 <a:effectLst/>
                 <a:latin typeface="Helvetica Neue" panose="02000503000000020004" pitchFamily="2" charset="0"/>
               </a:rPr>
-              <a:t> </a:t>
+              <a:t> (Accessed 17</a:t>
+            </a:r>
+            <a:r>
+              <a:rPr lang="en-IE" baseline="30000" dirty="0">
+                <a:effectLst/>
+                <a:latin typeface="Helvetica Neue" panose="02000503000000020004" pitchFamily="2" charset="0"/>
+              </a:rPr>
+              <a:t>th</a:t>
+            </a:r>
+            <a:r>
+              <a:rPr lang="en-IE" dirty="0">
+                <a:effectLst/>
+                <a:latin typeface="Helvetica Neue" panose="02000503000000020004" pitchFamily="2" charset="0"/>
+              </a:rPr>
+              <a:t> April 2024)</a:t>
             </a:r>
           </a:p>
           <a:p>
@@ -8453,7 +8568,21 @@
                 <a:effectLst/>
                 <a:latin typeface="Helvetica Neue" panose="02000503000000020004" pitchFamily="2" charset="0"/>
               </a:rPr>
-              <a:t> </a:t>
+              <a:t> (Accessed 17</a:t>
+            </a:r>
+            <a:r>
+              <a:rPr lang="en-IE" baseline="30000" dirty="0">
+                <a:effectLst/>
+                <a:latin typeface="Helvetica Neue" panose="02000503000000020004" pitchFamily="2" charset="0"/>
+              </a:rPr>
+              <a:t>th</a:t>
+            </a:r>
+            <a:r>
+              <a:rPr lang="en-IE" dirty="0">
+                <a:effectLst/>
+                <a:latin typeface="Helvetica Neue" panose="02000503000000020004" pitchFamily="2" charset="0"/>
+              </a:rPr>
+              <a:t> April 2024)</a:t>
             </a:r>
           </a:p>
           <a:p>
@@ -8512,7 +8641,7 @@
         <p:spPr>
           <a:xfrm>
             <a:off x="177338" y="227215"/>
-            <a:ext cx="8761615" cy="3539430"/>
+            <a:ext cx="8761615" cy="3970318"/>
           </a:xfrm>
           <a:prstGeom prst="rect">
             <a:avLst/>
@@ -8557,7 +8686,21 @@
                 <a:effectLst/>
                 <a:latin typeface="Helvetica Neue" panose="02000503000000020004" pitchFamily="2" charset="0"/>
               </a:rPr>
-              <a:t> </a:t>
+              <a:t> (Accessed 17</a:t>
+            </a:r>
+            <a:r>
+              <a:rPr lang="en-IE" baseline="30000" dirty="0">
+                <a:effectLst/>
+                <a:latin typeface="Helvetica Neue" panose="02000503000000020004" pitchFamily="2" charset="0"/>
+              </a:rPr>
+              <a:t>th</a:t>
+            </a:r>
+            <a:r>
+              <a:rPr lang="en-IE" dirty="0">
+                <a:effectLst/>
+                <a:latin typeface="Helvetica Neue" panose="02000503000000020004" pitchFamily="2" charset="0"/>
+              </a:rPr>
+              <a:t> April 2024)</a:t>
             </a:r>
             <a:endParaRPr lang="en-US" dirty="0"/>
           </a:p>
@@ -8599,12 +8742,26 @@
                 <a:effectLst/>
                 <a:latin typeface="Helvetica Neue" panose="02000503000000020004" pitchFamily="2" charset="0"/>
               </a:rPr>
-              <a:t> </a:t>
-            </a:r>
-          </a:p>
-          <a:p>
+              <a:t> (Accessed 17</a:t>
+            </a:r>
+            <a:r>
+              <a:rPr lang="en-IE" baseline="30000" dirty="0">
+                <a:effectLst/>
+                <a:latin typeface="Helvetica Neue" panose="02000503000000020004" pitchFamily="2" charset="0"/>
+              </a:rPr>
+              <a:t>th</a:t>
+            </a:r>
             <a:r>
               <a:rPr lang="en-IE" dirty="0">
+                <a:effectLst/>
+                <a:latin typeface="Helvetica Neue" panose="02000503000000020004" pitchFamily="2" charset="0"/>
+              </a:rPr>
+              <a:t> April 2024)</a:t>
+            </a:r>
+          </a:p>
+          <a:p>
+            <a:r>
+              <a:rPr lang="en-IE" dirty="0">
                 <a:latin typeface="Helvetica Neue" panose="02000503000000020004" pitchFamily="2" charset="0"/>
               </a:rPr>
               <a:t>15. </a:t>
@@ -8635,15 +8792,29 @@
                 <a:effectLst/>
                 <a:latin typeface="Helvetica Neue" panose="02000503000000020004" pitchFamily="2" charset="0"/>
               </a:rPr>
-              <a:t> </a:t>
-            </a:r>
-          </a:p>
-          <a:p>
+              <a:t> (Accessed 17</a:t>
+            </a:r>
+            <a:r>
+              <a:rPr lang="en-IE" baseline="30000" dirty="0">
+                <a:effectLst/>
+                <a:latin typeface="Helvetica Neue" panose="02000503000000020004" pitchFamily="2" charset="0"/>
+              </a:rPr>
+              <a:t>th</a:t>
+            </a:r>
             <a:r>
               <a:rPr lang="en-IE" dirty="0">
                 <a:effectLst/>
                 <a:latin typeface="Helvetica Neue" panose="02000503000000020004" pitchFamily="2" charset="0"/>
               </a:rPr>
+              <a:t> April 2024)</a:t>
+            </a:r>
+          </a:p>
+          <a:p>
+            <a:r>
+              <a:rPr lang="en-IE" dirty="0">
+                <a:effectLst/>
+                <a:latin typeface="Helvetica Neue" panose="02000503000000020004" pitchFamily="2" charset="0"/>
+              </a:rPr>
               <a:t>16. </a:t>
             </a:r>
             <a:r>
@@ -8666,15 +8837,29 @@
                 <a:effectLst/>
                 <a:latin typeface="Helvetica Neue" panose="02000503000000020004" pitchFamily="2" charset="0"/>
               </a:rPr>
-              <a:t> </a:t>
-            </a:r>
-          </a:p>
-          <a:p>
+              <a:t> (Accessed 17</a:t>
+            </a:r>
+            <a:r>
+              <a:rPr lang="en-IE" baseline="30000" dirty="0">
+                <a:effectLst/>
+                <a:latin typeface="Helvetica Neue" panose="02000503000000020004" pitchFamily="2" charset="0"/>
+              </a:rPr>
+              <a:t>th</a:t>
+            </a:r>
             <a:r>
               <a:rPr lang="en-IE" dirty="0">
                 <a:effectLst/>
                 <a:latin typeface="Helvetica Neue" panose="02000503000000020004" pitchFamily="2" charset="0"/>
               </a:rPr>
+              <a:t> April 2024)</a:t>
+            </a:r>
+          </a:p>
+          <a:p>
+            <a:r>
+              <a:rPr lang="en-IE" dirty="0">
+                <a:effectLst/>
+                <a:latin typeface="Helvetica Neue" panose="02000503000000020004" pitchFamily="2" charset="0"/>
+              </a:rPr>
               <a:t>17. </a:t>
             </a:r>
             <a:r>
@@ -8703,15 +8888,29 @@
                 <a:effectLst/>
                 <a:latin typeface="Helvetica Neue" panose="02000503000000020004" pitchFamily="2" charset="0"/>
               </a:rPr>
-              <a:t> </a:t>
-            </a:r>
-          </a:p>
-          <a:p>
+              <a:t> (Accessed 17</a:t>
+            </a:r>
+            <a:r>
+              <a:rPr lang="en-IE" baseline="30000" dirty="0">
+                <a:effectLst/>
+                <a:latin typeface="Helvetica Neue" panose="02000503000000020004" pitchFamily="2" charset="0"/>
+              </a:rPr>
+              <a:t>th</a:t>
+            </a:r>
             <a:r>
               <a:rPr lang="en-IE" dirty="0">
                 <a:effectLst/>
                 <a:latin typeface="Helvetica Neue" panose="02000503000000020004" pitchFamily="2" charset="0"/>
               </a:rPr>
+              <a:t> April 2024)</a:t>
+            </a:r>
+          </a:p>
+          <a:p>
+            <a:r>
+              <a:rPr lang="en-IE" dirty="0">
+                <a:effectLst/>
+                <a:latin typeface="Helvetica Neue" panose="02000503000000020004" pitchFamily="2" charset="0"/>
+              </a:rPr>
               <a:t>18. </a:t>
             </a:r>
             <a:r>
@@ -8747,15 +8946,29 @@
                 <a:effectLst/>
                 <a:latin typeface="Helvetica Neue" panose="02000503000000020004" pitchFamily="2" charset="0"/>
               </a:rPr>
-              <a:t>  </a:t>
-            </a:r>
-          </a:p>
-          <a:p>
+              <a:t>  (Accessed 17</a:t>
+            </a:r>
+            <a:r>
+              <a:rPr lang="en-IE" baseline="30000" dirty="0">
+                <a:effectLst/>
+                <a:latin typeface="Helvetica Neue" panose="02000503000000020004" pitchFamily="2" charset="0"/>
+              </a:rPr>
+              <a:t>th</a:t>
+            </a:r>
             <a:r>
               <a:rPr lang="en-IE" dirty="0">
                 <a:effectLst/>
                 <a:latin typeface="Helvetica Neue" panose="02000503000000020004" pitchFamily="2" charset="0"/>
               </a:rPr>
+              <a:t> April 2024)</a:t>
+            </a:r>
+          </a:p>
+          <a:p>
+            <a:r>
+              <a:rPr lang="en-IE" dirty="0">
+                <a:effectLst/>
+                <a:latin typeface="Helvetica Neue" panose="02000503000000020004" pitchFamily="2" charset="0"/>
+              </a:rPr>
               <a:t>19. </a:t>
             </a:r>
             <a:r>
@@ -8778,7 +8991,21 @@
                 <a:effectLst/>
                 <a:latin typeface="Helvetica Neue" panose="02000503000000020004" pitchFamily="2" charset="0"/>
               </a:rPr>
-              <a:t> </a:t>
+              <a:t> (Accessed 17</a:t>
+            </a:r>
+            <a:r>
+              <a:rPr lang="en-IE" baseline="30000" dirty="0">
+                <a:effectLst/>
+                <a:latin typeface="Helvetica Neue" panose="02000503000000020004" pitchFamily="2" charset="0"/>
+              </a:rPr>
+              <a:t>th</a:t>
+            </a:r>
+            <a:r>
+              <a:rPr lang="en-IE" dirty="0">
+                <a:effectLst/>
+                <a:latin typeface="Helvetica Neue" panose="02000503000000020004" pitchFamily="2" charset="0"/>
+              </a:rPr>
+              <a:t> April 2024)</a:t>
             </a:r>
           </a:p>
           <a:p>
@@ -8837,7 +9064,7 @@
         <p:spPr>
           <a:xfrm>
             <a:off x="53235" y="0"/>
-            <a:ext cx="9037529" cy="9356408"/>
+            <a:ext cx="9037529" cy="9571851"/>
           </a:xfrm>
           <a:prstGeom prst="rect">
             <a:avLst/>
@@ -8893,7 +9120,21 @@
                 <a:effectLst/>
                 <a:latin typeface="Helvetica Neue" panose="02000503000000020004" pitchFamily="2" charset="0"/>
               </a:rPr>
-              <a:t> </a:t>
+              <a:t> (Accessed 17</a:t>
+            </a:r>
+            <a:r>
+              <a:rPr lang="en-IE" baseline="30000" dirty="0">
+                <a:effectLst/>
+                <a:latin typeface="Helvetica Neue" panose="02000503000000020004" pitchFamily="2" charset="0"/>
+              </a:rPr>
+              <a:t>th</a:t>
+            </a:r>
+            <a:r>
+              <a:rPr lang="en-IE" dirty="0">
+                <a:effectLst/>
+                <a:latin typeface="Helvetica Neue" panose="02000503000000020004" pitchFamily="2" charset="0"/>
+              </a:rPr>
+              <a:t> April 2024)</a:t>
             </a:r>
           </a:p>
           <a:p>
@@ -8930,7 +9171,21 @@
                 <a:effectLst/>
                 <a:latin typeface="Helvetica Neue" panose="02000503000000020004" pitchFamily="2" charset="0"/>
               </a:rPr>
-              <a:t> </a:t>
+              <a:t> (Accessed 17</a:t>
+            </a:r>
+            <a:r>
+              <a:rPr lang="en-IE" baseline="30000" dirty="0">
+                <a:effectLst/>
+                <a:latin typeface="Helvetica Neue" panose="02000503000000020004" pitchFamily="2" charset="0"/>
+              </a:rPr>
+              <a:t>th</a:t>
+            </a:r>
+            <a:r>
+              <a:rPr lang="en-IE" dirty="0">
+                <a:effectLst/>
+                <a:latin typeface="Helvetica Neue" panose="02000503000000020004" pitchFamily="2" charset="0"/>
+              </a:rPr>
+              <a:t> April 2024)</a:t>
             </a:r>
           </a:p>
           <a:p>
@@ -8966,7 +9221,21 @@
                 <a:effectLst/>
                 <a:latin typeface="Helvetica Neue" panose="02000503000000020004" pitchFamily="2" charset="0"/>
               </a:rPr>
-              <a:t> </a:t>
+              <a:t> (Accessed 17</a:t>
+            </a:r>
+            <a:r>
+              <a:rPr lang="en-IE" baseline="30000" dirty="0">
+                <a:effectLst/>
+                <a:latin typeface="Helvetica Neue" panose="02000503000000020004" pitchFamily="2" charset="0"/>
+              </a:rPr>
+              <a:t>th</a:t>
+            </a:r>
+            <a:r>
+              <a:rPr lang="en-IE" dirty="0">
+                <a:effectLst/>
+                <a:latin typeface="Helvetica Neue" panose="02000503000000020004" pitchFamily="2" charset="0"/>
+              </a:rPr>
+              <a:t> April 2024)</a:t>
             </a:r>
           </a:p>
           <a:p>
@@ -8996,7 +9265,21 @@
                 <a:effectLst/>
                 <a:latin typeface="Helvetica Neue" panose="02000503000000020004" pitchFamily="2" charset="0"/>
               </a:rPr>
-              <a:t> </a:t>
+              <a:t> (Accessed 17</a:t>
+            </a:r>
+            <a:r>
+              <a:rPr lang="en-IE" baseline="30000" dirty="0">
+                <a:effectLst/>
+                <a:latin typeface="Helvetica Neue" panose="02000503000000020004" pitchFamily="2" charset="0"/>
+              </a:rPr>
+              <a:t>th</a:t>
+            </a:r>
+            <a:r>
+              <a:rPr lang="en-IE" dirty="0">
+                <a:effectLst/>
+                <a:latin typeface="Helvetica Neue" panose="02000503000000020004" pitchFamily="2" charset="0"/>
+              </a:rPr>
+              <a:t> April 2024)</a:t>
             </a:r>
           </a:p>
           <a:p>
@@ -9026,12 +9309,26 @@
                 <a:effectLst/>
                 <a:latin typeface="Helvetica Neue" panose="02000503000000020004" pitchFamily="2" charset="0"/>
               </a:rPr>
-              <a:t> </a:t>
-            </a:r>
-          </a:p>
-          <a:p>
+              <a:t> (Accessed 17</a:t>
+            </a:r>
+            <a:r>
+              <a:rPr lang="en-IE" baseline="30000" dirty="0">
+                <a:effectLst/>
+                <a:latin typeface="Helvetica Neue" panose="02000503000000020004" pitchFamily="2" charset="0"/>
+              </a:rPr>
+              <a:t>th</a:t>
+            </a:r>
             <a:r>
               <a:rPr lang="en-IE" dirty="0">
+                <a:effectLst/>
+                <a:latin typeface="Helvetica Neue" panose="02000503000000020004" pitchFamily="2" charset="0"/>
+              </a:rPr>
+              <a:t> April 2024)</a:t>
+            </a:r>
+          </a:p>
+          <a:p>
+            <a:r>
+              <a:rPr lang="en-IE" dirty="0">
                 <a:latin typeface="Helvetica Neue" panose="02000503000000020004" pitchFamily="2" charset="0"/>
               </a:rPr>
               <a:t>6. Dress</a:t>
@@ -9056,7 +9353,21 @@
                 <a:effectLst/>
                 <a:latin typeface="Helvetica Neue" panose="02000503000000020004" pitchFamily="2" charset="0"/>
               </a:rPr>
-              <a:t> </a:t>
+              <a:t> (Accessed 17</a:t>
+            </a:r>
+            <a:r>
+              <a:rPr lang="en-IE" baseline="30000" dirty="0">
+                <a:effectLst/>
+                <a:latin typeface="Helvetica Neue" panose="02000503000000020004" pitchFamily="2" charset="0"/>
+              </a:rPr>
+              <a:t>th</a:t>
+            </a:r>
+            <a:r>
+              <a:rPr lang="en-IE" dirty="0">
+                <a:effectLst/>
+                <a:latin typeface="Helvetica Neue" panose="02000503000000020004" pitchFamily="2" charset="0"/>
+              </a:rPr>
+              <a:t> April 2024)</a:t>
             </a:r>
             <a:endParaRPr lang="en-IE" sz="1400" dirty="0">
               <a:effectLst/>
@@ -9097,6 +9408,34 @@
                 <a:effectLst/>
                 <a:latin typeface="Helvetica Neue" panose="02000503000000020004" pitchFamily="2" charset="0"/>
               </a:rPr>
+              <a:t> </a:t>
+            </a:r>
+            <a:r>
+              <a:rPr lang="en-IE" dirty="0">
+                <a:effectLst/>
+                <a:latin typeface="Helvetica Neue" panose="02000503000000020004" pitchFamily="2" charset="0"/>
+              </a:rPr>
+              <a:t>(Accessed 17</a:t>
+            </a:r>
+            <a:r>
+              <a:rPr lang="en-IE" baseline="30000" dirty="0">
+                <a:effectLst/>
+                <a:latin typeface="Helvetica Neue" panose="02000503000000020004" pitchFamily="2" charset="0"/>
+              </a:rPr>
+              <a:t>th</a:t>
+            </a:r>
+            <a:r>
+              <a:rPr lang="en-IE" dirty="0">
+                <a:effectLst/>
+                <a:latin typeface="Helvetica Neue" panose="02000503000000020004" pitchFamily="2" charset="0"/>
+              </a:rPr>
+              <a:t> April 2024)</a:t>
+            </a:r>
+            <a:r>
+              <a:rPr lang="en-IE" sz="1400" dirty="0">
+                <a:effectLst/>
+                <a:latin typeface="Helvetica Neue" panose="02000503000000020004" pitchFamily="2" charset="0"/>
+              </a:rPr>
               <a:t> </a:t>
             </a:r>
           </a:p>
@@ -9128,6 +9467,27 @@
                 <a:hlinkClick r:id="rId10"/>
               </a:rPr>
               <a:t>https://images.pexels.com/photos/7139174/pexels-photo-7139174.jpeg?auto=compress&amp;cs=tinysrgb&amp;w=600</a:t>
+            </a:r>
+            <a:r>
+              <a:rPr lang="en-IE" dirty="0">
+                <a:effectLst/>
+                <a:latin typeface="Helvetica Neue" panose="02000503000000020004" pitchFamily="2" charset="0"/>
+              </a:rPr>
+              <a:t>(Accessed 17</a:t>
+            </a:r>
+            <a:r>
+              <a:rPr lang="en-IE" baseline="30000" dirty="0">
+                <a:effectLst/>
+                <a:latin typeface="Helvetica Neue" panose="02000503000000020004" pitchFamily="2" charset="0"/>
+              </a:rPr>
+              <a:t>th</a:t>
+            </a:r>
+            <a:r>
+              <a:rPr lang="en-IE" dirty="0">
+                <a:effectLst/>
+                <a:latin typeface="Helvetica Neue" panose="02000503000000020004" pitchFamily="2" charset="0"/>
+              </a:rPr>
+              <a:t> April 2024)</a:t>
             </a:r>
             <a:endParaRPr lang="en-IE" sz="1400" dirty="0">
               <a:effectLst/>
@@ -9178,6 +9538,34 @@
               </a:rPr>
               <a:t> </a:t>
             </a:r>
+            <a:r>
+              <a:rPr lang="en-IE" dirty="0">
+                <a:effectLst/>
+                <a:latin typeface="Helvetica Neue" panose="02000503000000020004" pitchFamily="2" charset="0"/>
+              </a:rPr>
+              <a:t>(Accessed 17</a:t>
+            </a:r>
+            <a:r>
+              <a:rPr lang="en-IE" baseline="30000" dirty="0">
+                <a:effectLst/>
+                <a:latin typeface="Helvetica Neue" panose="02000503000000020004" pitchFamily="2" charset="0"/>
+              </a:rPr>
+              <a:t>th</a:t>
+            </a:r>
+            <a:r>
+              <a:rPr lang="en-IE" dirty="0">
+                <a:effectLst/>
+                <a:latin typeface="Helvetica Neue" panose="02000503000000020004" pitchFamily="2" charset="0"/>
+              </a:rPr>
+              <a:t> April 2024)</a:t>
+            </a:r>
+            <a:endParaRPr lang="en-US" dirty="0"/>
+          </a:p>
+          <a:p>
+            <a:endParaRPr lang="en-IE" sz="1400" dirty="0">
+              <a:effectLst/>
+              <a:latin typeface="Helvetica Neue" panose="02000503000000020004" pitchFamily="2" charset="0"/>
+            </a:endParaRPr>
           </a:p>
           <a:p>
             <a:endParaRPr lang="en-IE" dirty="0">
@@ -9352,7 +9740,7 @@
         <p:spPr>
           <a:xfrm>
             <a:off x="0" y="0"/>
-            <a:ext cx="9144000" cy="7725192"/>
+            <a:ext cx="9144000" cy="8094524"/>
           </a:xfrm>
           <a:prstGeom prst="rect">
             <a:avLst/>
@@ -9414,15 +9802,29 @@
                 <a:effectLst/>
                 <a:latin typeface="Helvetica Neue" panose="02000503000000020004" pitchFamily="2" charset="0"/>
               </a:rPr>
-              <a:t> </a:t>
-            </a:r>
-          </a:p>
-          <a:p>
+              <a:t> (Accessed 17</a:t>
+            </a:r>
+            <a:r>
+              <a:rPr lang="en-IE" sz="1200" baseline="30000" dirty="0">
+                <a:effectLst/>
+                <a:latin typeface="Helvetica Neue" panose="02000503000000020004" pitchFamily="2" charset="0"/>
+              </a:rPr>
+              <a:t>th</a:t>
+            </a:r>
             <a:r>
               <a:rPr lang="en-IE" sz="1200" dirty="0">
                 <a:effectLst/>
                 <a:latin typeface="Helvetica Neue" panose="02000503000000020004" pitchFamily="2" charset="0"/>
               </a:rPr>
+              <a:t> April 2024) </a:t>
+            </a:r>
+          </a:p>
+          <a:p>
+            <a:r>
+              <a:rPr lang="en-IE" sz="1200" dirty="0">
+                <a:effectLst/>
+                <a:latin typeface="Helvetica Neue" panose="02000503000000020004" pitchFamily="2" charset="0"/>
+              </a:rPr>
               <a:t>12. </a:t>
             </a:r>
           </a:p>
@@ -9473,12 +9875,26 @@
                 <a:effectLst/>
                 <a:latin typeface="Helvetica Neue" panose="02000503000000020004" pitchFamily="2" charset="0"/>
               </a:rPr>
-              <a:t> </a:t>
-            </a:r>
-          </a:p>
-          <a:p>
+              <a:t> (Accessed 17</a:t>
+            </a:r>
+            <a:r>
+              <a:rPr lang="en-IE" sz="1200" baseline="30000" dirty="0">
+                <a:effectLst/>
+                <a:latin typeface="Helvetica Neue" panose="02000503000000020004" pitchFamily="2" charset="0"/>
+              </a:rPr>
+              <a:t>th</a:t>
+            </a:r>
             <a:r>
               <a:rPr lang="en-IE" sz="1200" dirty="0">
+                <a:effectLst/>
+                <a:latin typeface="Helvetica Neue" panose="02000503000000020004" pitchFamily="2" charset="0"/>
+              </a:rPr>
+              <a:t> April 2024)</a:t>
+            </a:r>
+          </a:p>
+          <a:p>
+            <a:r>
+              <a:rPr lang="en-IE" sz="1200" dirty="0">
                 <a:latin typeface="Helvetica Neue" panose="02000503000000020004" pitchFamily="2" charset="0"/>
               </a:rPr>
               <a:t>14.</a:t>
@@ -9509,12 +9925,26 @@
                 <a:effectLst/>
                 <a:latin typeface="Helvetica Neue" panose="02000503000000020004" pitchFamily="2" charset="0"/>
               </a:rPr>
-              <a:t> </a:t>
-            </a:r>
-          </a:p>
-          <a:p>
+              <a:t> (Accessed 17</a:t>
+            </a:r>
+            <a:r>
+              <a:rPr lang="en-IE" sz="1200" baseline="30000" dirty="0">
+                <a:effectLst/>
+                <a:latin typeface="Helvetica Neue" panose="02000503000000020004" pitchFamily="2" charset="0"/>
+              </a:rPr>
+              <a:t>th</a:t>
+            </a:r>
             <a:r>
               <a:rPr lang="en-IE" sz="1200" dirty="0">
+                <a:effectLst/>
+                <a:latin typeface="Helvetica Neue" panose="02000503000000020004" pitchFamily="2" charset="0"/>
+              </a:rPr>
+              <a:t> April 2024)</a:t>
+            </a:r>
+          </a:p>
+          <a:p>
+            <a:r>
+              <a:rPr lang="en-IE" sz="1200" dirty="0">
                 <a:latin typeface="Helvetica Neue" panose="02000503000000020004" pitchFamily="2" charset="0"/>
               </a:rPr>
               <a:t>15. </a:t>
@@ -9545,15 +9975,29 @@
                 <a:effectLst/>
                 <a:latin typeface="Helvetica Neue" panose="02000503000000020004" pitchFamily="2" charset="0"/>
               </a:rPr>
-              <a:t>  </a:t>
-            </a:r>
-          </a:p>
-          <a:p>
+              <a:t>  (Accessed 17</a:t>
+            </a:r>
+            <a:r>
+              <a:rPr lang="en-IE" sz="1200" baseline="30000" dirty="0">
+                <a:effectLst/>
+                <a:latin typeface="Helvetica Neue" panose="02000503000000020004" pitchFamily="2" charset="0"/>
+              </a:rPr>
+              <a:t>th</a:t>
+            </a:r>
             <a:r>
               <a:rPr lang="en-IE" sz="1200" dirty="0">
                 <a:effectLst/>
                 <a:latin typeface="Helvetica Neue" panose="02000503000000020004" pitchFamily="2" charset="0"/>
               </a:rPr>
+              <a:t> April 2024)</a:t>
+            </a:r>
+          </a:p>
+          <a:p>
+            <a:r>
+              <a:rPr lang="en-IE" sz="1200" dirty="0">
+                <a:effectLst/>
+                <a:latin typeface="Helvetica Neue" panose="02000503000000020004" pitchFamily="2" charset="0"/>
+              </a:rPr>
               <a:t>16.</a:t>
             </a:r>
           </a:p>
@@ -9597,15 +10041,29 @@
                 <a:effectLst/>
                 <a:latin typeface="Helvetica Neue" panose="02000503000000020004" pitchFamily="2" charset="0"/>
               </a:rPr>
-              <a:t>   </a:t>
-            </a:r>
-          </a:p>
-          <a:p>
+              <a:t>  (Accessed 17</a:t>
+            </a:r>
+            <a:r>
+              <a:rPr lang="en-IE" sz="1200" baseline="30000" dirty="0">
+                <a:effectLst/>
+                <a:latin typeface="Helvetica Neue" panose="02000503000000020004" pitchFamily="2" charset="0"/>
+              </a:rPr>
+              <a:t>th</a:t>
+            </a:r>
             <a:r>
               <a:rPr lang="en-IE" sz="1200" dirty="0">
                 <a:effectLst/>
                 <a:latin typeface="Helvetica Neue" panose="02000503000000020004" pitchFamily="2" charset="0"/>
               </a:rPr>
+              <a:t> April 2024) </a:t>
+            </a:r>
+          </a:p>
+          <a:p>
+            <a:r>
+              <a:rPr lang="en-IE" sz="1200" dirty="0">
+                <a:effectLst/>
+                <a:latin typeface="Helvetica Neue" panose="02000503000000020004" pitchFamily="2" charset="0"/>
+              </a:rPr>
               <a:t>18. </a:t>
             </a:r>
             <a:r>
@@ -9628,15 +10086,29 @@
                 <a:effectLst/>
                 <a:latin typeface="Helvetica Neue" panose="02000503000000020004" pitchFamily="2" charset="0"/>
               </a:rPr>
-              <a:t> </a:t>
-            </a:r>
-          </a:p>
-          <a:p>
+              <a:t> (Accessed 17</a:t>
+            </a:r>
+            <a:r>
+              <a:rPr lang="en-IE" sz="1200" baseline="30000" dirty="0">
+                <a:effectLst/>
+                <a:latin typeface="Helvetica Neue" panose="02000503000000020004" pitchFamily="2" charset="0"/>
+              </a:rPr>
+              <a:t>th</a:t>
+            </a:r>
             <a:r>
               <a:rPr lang="en-IE" sz="1200" dirty="0">
                 <a:effectLst/>
                 <a:latin typeface="Helvetica Neue" panose="02000503000000020004" pitchFamily="2" charset="0"/>
               </a:rPr>
+              <a:t> April 2024)</a:t>
+            </a:r>
+          </a:p>
+          <a:p>
+            <a:r>
+              <a:rPr lang="en-IE" sz="1200" dirty="0">
+                <a:effectLst/>
+                <a:latin typeface="Helvetica Neue" panose="02000503000000020004" pitchFamily="2" charset="0"/>
+              </a:rPr>
               <a:t>19. </a:t>
             </a:r>
             <a:r>
@@ -9665,15 +10137,29 @@
                 <a:effectLst/>
                 <a:latin typeface="Helvetica Neue" panose="02000503000000020004" pitchFamily="2" charset="0"/>
               </a:rPr>
-              <a:t> </a:t>
-            </a:r>
-          </a:p>
-          <a:p>
+              <a:t> (Accessed 17</a:t>
+            </a:r>
+            <a:r>
+              <a:rPr lang="en-IE" sz="1200" baseline="30000" dirty="0">
+                <a:effectLst/>
+                <a:latin typeface="Helvetica Neue" panose="02000503000000020004" pitchFamily="2" charset="0"/>
+              </a:rPr>
+              <a:t>th</a:t>
+            </a:r>
             <a:r>
               <a:rPr lang="en-IE" sz="1200" dirty="0">
                 <a:effectLst/>
                 <a:latin typeface="Helvetica Neue" panose="02000503000000020004" pitchFamily="2" charset="0"/>
               </a:rPr>
+              <a:t> April 2024)</a:t>
+            </a:r>
+          </a:p>
+          <a:p>
+            <a:r>
+              <a:rPr lang="en-IE" sz="1200" dirty="0">
+                <a:effectLst/>
+                <a:latin typeface="Helvetica Neue" panose="02000503000000020004" pitchFamily="2" charset="0"/>
+              </a:rPr>
               <a:t>20.</a:t>
             </a:r>
           </a:p>
@@ -9697,8 +10183,29 @@
                 <a:effectLst/>
                 <a:latin typeface="Helvetica Neue" panose="02000503000000020004" pitchFamily="2" charset="0"/>
               </a:rPr>
-              <a:t> </a:t>
-            </a:r>
+              <a:t> (Accessed 17</a:t>
+            </a:r>
+            <a:r>
+              <a:rPr lang="en-IE" sz="1200" baseline="30000" dirty="0">
+                <a:effectLst/>
+                <a:latin typeface="Helvetica Neue" panose="02000503000000020004" pitchFamily="2" charset="0"/>
+              </a:rPr>
+              <a:t>th</a:t>
+            </a:r>
+            <a:r>
+              <a:rPr lang="en-IE" sz="1200" dirty="0">
+                <a:effectLst/>
+                <a:latin typeface="Helvetica Neue" panose="02000503000000020004" pitchFamily="2" charset="0"/>
+              </a:rPr>
+              <a:t> April 2024)</a:t>
+            </a:r>
+            <a:endParaRPr lang="en-US" sz="1200" dirty="0"/>
+          </a:p>
+          <a:p>
+            <a:endParaRPr lang="en-IE" sz="1200" dirty="0">
+              <a:effectLst/>
+              <a:latin typeface="Helvetica Neue" panose="02000503000000020004" pitchFamily="2" charset="0"/>
+            </a:endParaRPr>
           </a:p>
           <a:p>
             <a:endParaRPr lang="en-IE" sz="1200" dirty="0">
